--- a/docs/tio-live/架构.pptx
+++ b/docs/tio-live/架构.pptx
@@ -3074,6 +3074,33 @@
           <a:prstGeom prst="rect">
             <a:avLst/>
           </a:prstGeom>
+          <a:gradFill flip="none" rotWithShape="1">
+            <a:gsLst>
+              <a:gs pos="0">
+                <a:srgbClr val="00B050">
+                  <a:tint val="66000"/>
+                  <a:satMod val="160000"/>
+                </a:srgbClr>
+              </a:gs>
+              <a:gs pos="50000">
+                <a:srgbClr val="00B050">
+                  <a:tint val="44500"/>
+                  <a:satMod val="160000"/>
+                </a:srgbClr>
+              </a:gs>
+              <a:gs pos="100000">
+                <a:srgbClr val="00B050">
+                  <a:tint val="23500"/>
+                  <a:satMod val="160000"/>
+                </a:srgbClr>
+              </a:gs>
+            </a:gsLst>
+            <a:lin ang="5400000" scaled="1"/>
+            <a:tileRect/>
+          </a:gradFill>
+          <a:ln>
+            <a:noFill/>
+          </a:ln>
         </p:spPr>
         <p:style>
           <a:lnRef idx="2">
@@ -3162,6 +3189,33 @@
           <a:prstGeom prst="rect">
             <a:avLst/>
           </a:prstGeom>
+          <a:gradFill flip="none" rotWithShape="1">
+            <a:gsLst>
+              <a:gs pos="0">
+                <a:srgbClr val="00B050">
+                  <a:tint val="66000"/>
+                  <a:satMod val="160000"/>
+                </a:srgbClr>
+              </a:gs>
+              <a:gs pos="50000">
+                <a:srgbClr val="00B050">
+                  <a:tint val="44500"/>
+                  <a:satMod val="160000"/>
+                </a:srgbClr>
+              </a:gs>
+              <a:gs pos="100000">
+                <a:srgbClr val="00B050">
+                  <a:tint val="23500"/>
+                  <a:satMod val="160000"/>
+                </a:srgbClr>
+              </a:gs>
+            </a:gsLst>
+            <a:lin ang="5400000" scaled="1"/>
+            <a:tileRect/>
+          </a:gradFill>
+          <a:ln>
+            <a:noFill/>
+          </a:ln>
         </p:spPr>
         <p:style>
           <a:lnRef idx="2">
@@ -3178,7 +3232,7 @@
           </a:fontRef>
         </p:style>
         <p:txBody>
-          <a:bodyPr rtlCol="0" anchor="t"/>
+          <a:bodyPr rtlCol="0" anchor="b"/>
           <a:lstStyle/>
           <a:p>
             <a:pPr algn="ctr"/>
@@ -3239,6 +3293,33 @@
           <a:prstGeom prst="rect">
             <a:avLst/>
           </a:prstGeom>
+          <a:gradFill flip="none" rotWithShape="1">
+            <a:gsLst>
+              <a:gs pos="0">
+                <a:srgbClr val="00B050">
+                  <a:tint val="66000"/>
+                  <a:satMod val="160000"/>
+                </a:srgbClr>
+              </a:gs>
+              <a:gs pos="50000">
+                <a:srgbClr val="00B050">
+                  <a:tint val="44500"/>
+                  <a:satMod val="160000"/>
+                </a:srgbClr>
+              </a:gs>
+              <a:gs pos="100000">
+                <a:srgbClr val="00B050">
+                  <a:tint val="23500"/>
+                  <a:satMod val="160000"/>
+                </a:srgbClr>
+              </a:gs>
+            </a:gsLst>
+            <a:lin ang="5400000" scaled="1"/>
+            <a:tileRect/>
+          </a:gradFill>
+          <a:ln>
+            <a:noFill/>
+          </a:ln>
         </p:spPr>
         <p:style>
           <a:lnRef idx="2">
@@ -3255,11 +3336,11 @@
           </a:fontRef>
         </p:style>
         <p:txBody>
-          <a:bodyPr rtlCol="0" anchor="ctr"/>
+          <a:bodyPr rtlCol="0" anchor="b"/>
           <a:lstStyle/>
           <a:p>
             <a:pPr algn="ctr"/>
-            <a:endParaRPr lang="zh-CN" altLang="en-US" dirty="0" smtClean="0"/>
+            <a:endParaRPr lang="zh-CN" altLang="en-US" dirty="0" err="1" smtClean="0"/>
           </a:p>
         </p:txBody>
       </p:sp>
@@ -3411,6 +3492,33 @@
           <a:prstGeom prst="rect">
             <a:avLst/>
           </a:prstGeom>
+          <a:gradFill flip="none" rotWithShape="1">
+            <a:gsLst>
+              <a:gs pos="0">
+                <a:srgbClr val="00B050">
+                  <a:tint val="66000"/>
+                  <a:satMod val="160000"/>
+                </a:srgbClr>
+              </a:gs>
+              <a:gs pos="50000">
+                <a:srgbClr val="00B050">
+                  <a:tint val="44500"/>
+                  <a:satMod val="160000"/>
+                </a:srgbClr>
+              </a:gs>
+              <a:gs pos="100000">
+                <a:srgbClr val="00B050">
+                  <a:tint val="23500"/>
+                  <a:satMod val="160000"/>
+                </a:srgbClr>
+              </a:gs>
+            </a:gsLst>
+            <a:lin ang="5400000" scaled="1"/>
+            <a:tileRect/>
+          </a:gradFill>
+          <a:ln>
+            <a:noFill/>
+          </a:ln>
         </p:spPr>
         <p:style>
           <a:lnRef idx="2">
@@ -3432,10 +3540,10 @@
           <a:p>
             <a:pPr algn="ctr"/>
             <a:r>
-              <a:rPr lang="en-US" altLang="zh-CN" dirty="0" smtClean="0"/>
+              <a:rPr lang="en-US" altLang="zh-CN" dirty="0" err="1" smtClean="0"/>
               <a:t>IM Server</a:t>
             </a:r>
-            <a:endParaRPr lang="zh-CN" altLang="en-US" dirty="0" smtClean="0"/>
+            <a:endParaRPr lang="zh-CN" altLang="en-US" dirty="0" err="1" smtClean="0"/>
           </a:p>
         </p:txBody>
       </p:sp>
@@ -3738,7 +3846,7 @@
         </p:nvSpPr>
         <p:spPr>
           <a:xfrm>
-            <a:off x="5868144" y="2492896"/>
+            <a:off x="6228184" y="2276872"/>
             <a:ext cx="1800200" cy="288032"/>
           </a:xfrm>
           <a:prstGeom prst="rect">
@@ -3769,7 +3877,11 @@
             <a:pPr algn="ctr"/>
             <a:r>
               <a:rPr lang="en-US" altLang="zh-CN" dirty="0" smtClean="0"/>
-              <a:t>static res</a:t>
+              <a:t>s</a:t>
+            </a:r>
+            <a:r>
+              <a:rPr lang="en-US" altLang="zh-CN" dirty="0" smtClean="0"/>
+              <a:t>tatic-res</a:t>
             </a:r>
             <a:endParaRPr lang="zh-CN" altLang="en-US" dirty="0" smtClean="0"/>
           </a:p>
@@ -3828,6 +3940,33 @@
           <a:prstGeom prst="rect">
             <a:avLst/>
           </a:prstGeom>
+          <a:gradFill flip="none" rotWithShape="1">
+            <a:gsLst>
+              <a:gs pos="0">
+                <a:srgbClr val="00B050">
+                  <a:tint val="66000"/>
+                  <a:satMod val="160000"/>
+                </a:srgbClr>
+              </a:gs>
+              <a:gs pos="50000">
+                <a:srgbClr val="00B050">
+                  <a:tint val="44500"/>
+                  <a:satMod val="160000"/>
+                </a:srgbClr>
+              </a:gs>
+              <a:gs pos="100000">
+                <a:srgbClr val="00B050">
+                  <a:tint val="23500"/>
+                  <a:satMod val="160000"/>
+                </a:srgbClr>
+              </a:gs>
+            </a:gsLst>
+            <a:lin ang="5400000" scaled="1"/>
+            <a:tileRect/>
+          </a:gradFill>
+          <a:ln>
+            <a:noFill/>
+          </a:ln>
         </p:spPr>
         <p:style>
           <a:lnRef idx="2">
@@ -4578,6 +4717,33 @@
           <a:prstGeom prst="rect">
             <a:avLst/>
           </a:prstGeom>
+          <a:gradFill flip="none" rotWithShape="1">
+            <a:gsLst>
+              <a:gs pos="0">
+                <a:srgbClr val="00B050">
+                  <a:tint val="66000"/>
+                  <a:satMod val="160000"/>
+                </a:srgbClr>
+              </a:gs>
+              <a:gs pos="50000">
+                <a:srgbClr val="00B050">
+                  <a:tint val="44500"/>
+                  <a:satMod val="160000"/>
+                </a:srgbClr>
+              </a:gs>
+              <a:gs pos="100000">
+                <a:srgbClr val="00B050">
+                  <a:tint val="23500"/>
+                  <a:satMod val="160000"/>
+                </a:srgbClr>
+              </a:gs>
+            </a:gsLst>
+            <a:lin ang="5400000" scaled="1"/>
+            <a:tileRect/>
+          </a:gradFill>
+          <a:ln>
+            <a:noFill/>
+          </a:ln>
         </p:spPr>
         <p:style>
           <a:lnRef idx="2">
@@ -4602,7 +4768,7 @@
               <a:rPr lang="en-US" altLang="zh-CN" dirty="0" err="1" smtClean="0"/>
               <a:t>zk</a:t>
             </a:r>
-            <a:endParaRPr lang="zh-CN" altLang="en-US" dirty="0"/>
+            <a:endParaRPr lang="zh-CN" altLang="en-US" dirty="0" smtClean="0"/>
           </a:p>
         </p:txBody>
       </p:sp>
@@ -4757,6 +4923,33 @@
           <a:prstGeom prst="rect">
             <a:avLst/>
           </a:prstGeom>
+          <a:gradFill flip="none" rotWithShape="1">
+            <a:gsLst>
+              <a:gs pos="0">
+                <a:srgbClr val="00B050">
+                  <a:tint val="66000"/>
+                  <a:satMod val="160000"/>
+                </a:srgbClr>
+              </a:gs>
+              <a:gs pos="50000">
+                <a:srgbClr val="00B050">
+                  <a:tint val="44500"/>
+                  <a:satMod val="160000"/>
+                </a:srgbClr>
+              </a:gs>
+              <a:gs pos="100000">
+                <a:srgbClr val="00B050">
+                  <a:tint val="23500"/>
+                  <a:satMod val="160000"/>
+                </a:srgbClr>
+              </a:gs>
+            </a:gsLst>
+            <a:lin ang="5400000" scaled="1"/>
+            <a:tileRect/>
+          </a:gradFill>
+          <a:ln>
+            <a:noFill/>
+          </a:ln>
         </p:spPr>
         <p:style>
           <a:lnRef idx="2">
@@ -4778,10 +4971,9 @@
           <a:p>
             <a:pPr algn="ctr"/>
             <a:r>
-              <a:rPr lang="zh-CN" altLang="en-US" dirty="0" smtClean="0"/>
+              <a:rPr lang="zh-CN" altLang="en-US" dirty="0" err="1" smtClean="0"/>
               <a:t>流媒体云服务器</a:t>
             </a:r>
-            <a:endParaRPr lang="zh-CN" altLang="en-US" dirty="0" smtClean="0"/>
           </a:p>
         </p:txBody>
       </p:sp>
